--- a/ch3_neural_network/imgs/자료.pptx
+++ b/ch3_neural_network/imgs/자료.pptx
@@ -9,6 +9,7 @@
     <p:sldId id="257" r:id="rId3"/>
     <p:sldId id="258" r:id="rId4"/>
     <p:sldId id="259" r:id="rId5"/>
+    <p:sldId id="260" r:id="rId6"/>
   </p:sldIdLst>
   <p:sldSz cx="12192000" cy="6858000"/>
   <p:notesSz cx="6858000" cy="9144000"/>
@@ -107,6 +108,11 @@
       </a:defRPr>
     </a:lvl9pPr>
   </p:defaultTextStyle>
+  <p:extLst>
+    <p:ext uri="{EFAFB233-063F-42B5-8137-9DF3F51BA10A}">
+      <p15:sldGuideLst xmlns:p15="http://schemas.microsoft.com/office/powerpoint/2012/main"/>
+    </p:ext>
+  </p:extLst>
 </p:presentation>
 </file>
 
@@ -257,7 +263,7 @@
           <a:p>
             <a:fld id="{40FF13F6-0A51-4414-984E-54D9DF039548}" type="datetimeFigureOut">
               <a:rPr lang="ko-KR" altLang="en-US" smtClean="0"/>
-              <a:t>2022-12-22</a:t>
+              <a:t>2022-12-26</a:t>
             </a:fld>
             <a:endParaRPr lang="ko-KR" altLang="en-US"/>
           </a:p>
@@ -455,7 +461,7 @@
           <a:p>
             <a:fld id="{40FF13F6-0A51-4414-984E-54D9DF039548}" type="datetimeFigureOut">
               <a:rPr lang="ko-KR" altLang="en-US" smtClean="0"/>
-              <a:t>2022-12-22</a:t>
+              <a:t>2022-12-26</a:t>
             </a:fld>
             <a:endParaRPr lang="ko-KR" altLang="en-US"/>
           </a:p>
@@ -663,7 +669,7 @@
           <a:p>
             <a:fld id="{40FF13F6-0A51-4414-984E-54D9DF039548}" type="datetimeFigureOut">
               <a:rPr lang="ko-KR" altLang="en-US" smtClean="0"/>
-              <a:t>2022-12-22</a:t>
+              <a:t>2022-12-26</a:t>
             </a:fld>
             <a:endParaRPr lang="ko-KR" altLang="en-US"/>
           </a:p>
@@ -861,7 +867,7 @@
           <a:p>
             <a:fld id="{40FF13F6-0A51-4414-984E-54D9DF039548}" type="datetimeFigureOut">
               <a:rPr lang="ko-KR" altLang="en-US" smtClean="0"/>
-              <a:t>2022-12-22</a:t>
+              <a:t>2022-12-26</a:t>
             </a:fld>
             <a:endParaRPr lang="ko-KR" altLang="en-US"/>
           </a:p>
@@ -1136,7 +1142,7 @@
           <a:p>
             <a:fld id="{40FF13F6-0A51-4414-984E-54D9DF039548}" type="datetimeFigureOut">
               <a:rPr lang="ko-KR" altLang="en-US" smtClean="0"/>
-              <a:t>2022-12-22</a:t>
+              <a:t>2022-12-26</a:t>
             </a:fld>
             <a:endParaRPr lang="ko-KR" altLang="en-US"/>
           </a:p>
@@ -1401,7 +1407,7 @@
           <a:p>
             <a:fld id="{40FF13F6-0A51-4414-984E-54D9DF039548}" type="datetimeFigureOut">
               <a:rPr lang="ko-KR" altLang="en-US" smtClean="0"/>
-              <a:t>2022-12-22</a:t>
+              <a:t>2022-12-26</a:t>
             </a:fld>
             <a:endParaRPr lang="ko-KR" altLang="en-US"/>
           </a:p>
@@ -1813,7 +1819,7 @@
           <a:p>
             <a:fld id="{40FF13F6-0A51-4414-984E-54D9DF039548}" type="datetimeFigureOut">
               <a:rPr lang="ko-KR" altLang="en-US" smtClean="0"/>
-              <a:t>2022-12-22</a:t>
+              <a:t>2022-12-26</a:t>
             </a:fld>
             <a:endParaRPr lang="ko-KR" altLang="en-US"/>
           </a:p>
@@ -1954,7 +1960,7 @@
           <a:p>
             <a:fld id="{40FF13F6-0A51-4414-984E-54D9DF039548}" type="datetimeFigureOut">
               <a:rPr lang="ko-KR" altLang="en-US" smtClean="0"/>
-              <a:t>2022-12-22</a:t>
+              <a:t>2022-12-26</a:t>
             </a:fld>
             <a:endParaRPr lang="ko-KR" altLang="en-US"/>
           </a:p>
@@ -2067,7 +2073,7 @@
           <a:p>
             <a:fld id="{40FF13F6-0A51-4414-984E-54D9DF039548}" type="datetimeFigureOut">
               <a:rPr lang="ko-KR" altLang="en-US" smtClean="0"/>
-              <a:t>2022-12-22</a:t>
+              <a:t>2022-12-26</a:t>
             </a:fld>
             <a:endParaRPr lang="ko-KR" altLang="en-US"/>
           </a:p>
@@ -2378,7 +2384,7 @@
           <a:p>
             <a:fld id="{40FF13F6-0A51-4414-984E-54D9DF039548}" type="datetimeFigureOut">
               <a:rPr lang="ko-KR" altLang="en-US" smtClean="0"/>
-              <a:t>2022-12-22</a:t>
+              <a:t>2022-12-26</a:t>
             </a:fld>
             <a:endParaRPr lang="ko-KR" altLang="en-US"/>
           </a:p>
@@ -2666,7 +2672,7 @@
           <a:p>
             <a:fld id="{40FF13F6-0A51-4414-984E-54D9DF039548}" type="datetimeFigureOut">
               <a:rPr lang="ko-KR" altLang="en-US" smtClean="0"/>
-              <a:t>2022-12-22</a:t>
+              <a:t>2022-12-26</a:t>
             </a:fld>
             <a:endParaRPr lang="ko-KR" altLang="en-US"/>
           </a:p>
@@ -2907,7 +2913,7 @@
           <a:p>
             <a:fld id="{40FF13F6-0A51-4414-984E-54D9DF039548}" type="datetimeFigureOut">
               <a:rPr lang="ko-KR" altLang="en-US" smtClean="0"/>
-              <a:t>2022-12-22</a:t>
+              <a:t>2022-12-26</a:t>
             </a:fld>
             <a:endParaRPr lang="ko-KR" altLang="en-US"/>
           </a:p>
@@ -6687,6 +6693,117 @@
 </p:sld>
 </file>
 
+<file path=ppt/slides/slide5.xml><?xml version="1.0" encoding="utf-8"?>
+<p:sld xmlns:a="http://schemas.openxmlformats.org/drawingml/2006/main" xmlns:r="http://schemas.openxmlformats.org/officeDocument/2006/relationships" xmlns:p="http://schemas.openxmlformats.org/presentationml/2006/main">
+  <p:cSld>
+    <p:spTree>
+      <p:nvGrpSpPr>
+        <p:cNvPr id="1" name=""/>
+        <p:cNvGrpSpPr/>
+        <p:nvPr/>
+      </p:nvGrpSpPr>
+      <p:grpSpPr>
+        <a:xfrm>
+          <a:off x="0" y="0"/>
+          <a:ext cx="0" cy="0"/>
+          <a:chOff x="0" y="0"/>
+          <a:chExt cx="0" cy="0"/>
+        </a:xfrm>
+      </p:grpSpPr>
+      <p:grpSp>
+        <p:nvGrpSpPr>
+          <p:cNvPr id="8" name="그룹 7">
+            <a:extLst>
+              <a:ext uri="{FF2B5EF4-FFF2-40B4-BE49-F238E27FC236}">
+                <a16:creationId xmlns:a16="http://schemas.microsoft.com/office/drawing/2014/main" id="{F1985B10-5D8E-768D-3FF3-E76A1504257B}"/>
+              </a:ext>
+            </a:extLst>
+          </p:cNvPr>
+          <p:cNvGrpSpPr/>
+          <p:nvPr/>
+        </p:nvGrpSpPr>
+        <p:grpSpPr>
+          <a:xfrm>
+            <a:off x="488445" y="304581"/>
+            <a:ext cx="8272097" cy="4345398"/>
+            <a:chOff x="488445" y="304581"/>
+            <a:chExt cx="8272097" cy="4345398"/>
+          </a:xfrm>
+        </p:grpSpPr>
+        <p:pic>
+          <p:nvPicPr>
+            <p:cNvPr id="5" name="그림 4">
+              <a:extLst>
+                <a:ext uri="{FF2B5EF4-FFF2-40B4-BE49-F238E27FC236}">
+                  <a16:creationId xmlns:a16="http://schemas.microsoft.com/office/drawing/2014/main" id="{69494440-A534-CCD9-D369-84784AEFB380}"/>
+                </a:ext>
+              </a:extLst>
+            </p:cNvPr>
+            <p:cNvPicPr>
+              <a:picLocks noChangeAspect="1"/>
+            </p:cNvPicPr>
+            <p:nvPr/>
+          </p:nvPicPr>
+          <p:blipFill>
+            <a:blip r:embed="rId2"/>
+            <a:stretch>
+              <a:fillRect/>
+            </a:stretch>
+          </p:blipFill>
+          <p:spPr>
+            <a:xfrm>
+              <a:off x="488445" y="304581"/>
+              <a:ext cx="7872142" cy="2217612"/>
+            </a:xfrm>
+            <a:prstGeom prst="rect">
+              <a:avLst/>
+            </a:prstGeom>
+          </p:spPr>
+        </p:pic>
+        <p:pic>
+          <p:nvPicPr>
+            <p:cNvPr id="7" name="그림 6">
+              <a:extLst>
+                <a:ext uri="{FF2B5EF4-FFF2-40B4-BE49-F238E27FC236}">
+                  <a16:creationId xmlns:a16="http://schemas.microsoft.com/office/drawing/2014/main" id="{4BE465F5-F6E5-8848-963A-CA47E3D19EB2}"/>
+                </a:ext>
+              </a:extLst>
+            </p:cNvPr>
+            <p:cNvPicPr>
+              <a:picLocks noChangeAspect="1"/>
+            </p:cNvPicPr>
+            <p:nvPr/>
+          </p:nvPicPr>
+          <p:blipFill>
+            <a:blip r:embed="rId3"/>
+            <a:stretch>
+              <a:fillRect/>
+            </a:stretch>
+          </p:blipFill>
+          <p:spPr>
+            <a:xfrm>
+              <a:off x="488445" y="2742129"/>
+              <a:ext cx="8272097" cy="1907850"/>
+            </a:xfrm>
+            <a:prstGeom prst="rect">
+              <a:avLst/>
+            </a:prstGeom>
+          </p:spPr>
+        </p:pic>
+      </p:grpSp>
+    </p:spTree>
+    <p:extLst>
+      <p:ext uri="{BB962C8B-B14F-4D97-AF65-F5344CB8AC3E}">
+        <p14:creationId xmlns:p14="http://schemas.microsoft.com/office/powerpoint/2010/main" val="454328871"/>
+      </p:ext>
+    </p:extLst>
+  </p:cSld>
+  <p:clrMapOvr>
+    <a:masterClrMapping/>
+  </p:clrMapOvr>
+</p:sld>
+</file>
+
 <file path=ppt/theme/theme1.xml><?xml version="1.0" encoding="utf-8"?>
 <a:theme xmlns:a="http://schemas.openxmlformats.org/drawingml/2006/main" name="Office 테마">
   <a:themeElements>
